--- a/ForLoops/ForLoops.pptx
+++ b/ForLoops/ForLoops.pptx
@@ -212,7 +212,7 @@
           <a:p>
             <a:fld id="{19104133-B5B0-4351-8158-4F0E5EB1E2BF}" type="datetimeFigureOut">
               <a:rPr lang="en-US" smtClean="0"/>
-              <a:t>2/25/2020</a:t>
+              <a:t>10/27/2020</a:t>
             </a:fld>
             <a:endParaRPr lang="en-US"/>
           </a:p>
@@ -1373,7 +1373,7 @@
             <a:fld id="{1C2D31DE-C454-491C-B5C3-F097855E3DF7}" type="datetime4">
               <a:rPr lang="en-US" smtClean="0"/>
               <a:pPr/>
-              <a:t>February 25, 2020</a:t>
+              <a:t>October 27, 2020</a:t>
             </a:fld>
             <a:endParaRPr lang="en-US" dirty="0"/>
           </a:p>
@@ -4773,7 +4773,7 @@
           <a:p>
             <a:fld id="{5958763E-B898-436D-883D-03711491D54A}" type="datetimeFigureOut">
               <a:rPr lang="en-US" smtClean="0"/>
-              <a:t>2/25/2020</a:t>
+              <a:t>10/27/2020</a:t>
             </a:fld>
             <a:endParaRPr lang="en-US"/>
           </a:p>
@@ -4974,7 +4974,7 @@
           <a:p>
             <a:fld id="{5958763E-B898-436D-883D-03711491D54A}" type="datetimeFigureOut">
               <a:rPr lang="en-US" smtClean="0"/>
-              <a:t>2/25/2020</a:t>
+              <a:t>10/27/2020</a:t>
             </a:fld>
             <a:endParaRPr lang="en-US"/>
           </a:p>
@@ -5231,7 +5231,7 @@
           <a:p>
             <a:fld id="{5958763E-B898-436D-883D-03711491D54A}" type="datetimeFigureOut">
               <a:rPr lang="en-US" smtClean="0"/>
-              <a:t>2/25/2020</a:t>
+              <a:t>10/27/2020</a:t>
             </a:fld>
             <a:endParaRPr lang="en-US"/>
           </a:p>
@@ -5586,7 +5586,7 @@
           <a:p>
             <a:fld id="{5958763E-B898-436D-883D-03711491D54A}" type="datetimeFigureOut">
               <a:rPr lang="en-US" smtClean="0"/>
-              <a:t>2/25/2020</a:t>
+              <a:t>10/27/2020</a:t>
             </a:fld>
             <a:endParaRPr lang="en-US"/>
           </a:p>
@@ -6009,7 +6009,7 @@
           <a:p>
             <a:fld id="{5958763E-B898-436D-883D-03711491D54A}" type="datetimeFigureOut">
               <a:rPr lang="en-US" smtClean="0"/>
-              <a:t>2/25/2020</a:t>
+              <a:t>10/27/2020</a:t>
             </a:fld>
             <a:endParaRPr lang="en-US"/>
           </a:p>
@@ -6517,7 +6517,7 @@
           <a:p>
             <a:fld id="{5958763E-B898-436D-883D-03711491D54A}" type="datetimeFigureOut">
               <a:rPr lang="en-US" smtClean="0"/>
-              <a:t>2/25/2020</a:t>
+              <a:t>10/27/2020</a:t>
             </a:fld>
             <a:endParaRPr lang="en-US"/>
           </a:p>
@@ -6975,7 +6975,7 @@
           <a:p>
             <a:fld id="{5958763E-B898-436D-883D-03711491D54A}" type="datetimeFigureOut">
               <a:rPr lang="en-US" smtClean="0"/>
-              <a:t>2/25/2020</a:t>
+              <a:t>10/27/2020</a:t>
             </a:fld>
             <a:endParaRPr lang="en-US"/>
           </a:p>
@@ -7593,7 +7593,7 @@
           <a:p>
             <a:fld id="{5958763E-B898-436D-883D-03711491D54A}" type="datetimeFigureOut">
               <a:rPr lang="en-US" smtClean="0"/>
-              <a:t>2/25/2020</a:t>
+              <a:t>10/27/2020</a:t>
             </a:fld>
             <a:endParaRPr lang="en-US"/>
           </a:p>
@@ -8371,7 +8371,7 @@
           <a:p>
             <a:fld id="{5958763E-B898-436D-883D-03711491D54A}" type="datetimeFigureOut">
               <a:rPr lang="en-US" smtClean="0"/>
-              <a:t>2/25/2020</a:t>
+              <a:t>10/27/2020</a:t>
             </a:fld>
             <a:endParaRPr lang="en-US"/>
           </a:p>
@@ -8482,7 +8482,7 @@
           <a:p>
             <a:fld id="{5958763E-B898-436D-883D-03711491D54A}" type="datetimeFigureOut">
               <a:rPr lang="en-US" smtClean="0"/>
-              <a:t>2/25/2020</a:t>
+              <a:t>10/27/2020</a:t>
             </a:fld>
             <a:endParaRPr lang="en-US"/>
           </a:p>
@@ -8824,7 +8824,7 @@
             <a:fld id="{1C2D31DE-C454-491C-B5C3-F097855E3DF7}" type="datetime4">
               <a:rPr lang="en-US" smtClean="0"/>
               <a:pPr/>
-              <a:t>February 25, 2020</a:t>
+              <a:t>October 27, 2020</a:t>
             </a:fld>
             <a:endParaRPr lang="en-US" dirty="0"/>
           </a:p>
@@ -11984,7 +11984,7 @@
           <a:p>
             <a:fld id="{5958763E-B898-436D-883D-03711491D54A}" type="datetimeFigureOut">
               <a:rPr lang="en-US" smtClean="0"/>
-              <a:t>2/25/2020</a:t>
+              <a:t>10/27/2020</a:t>
             </a:fld>
             <a:endParaRPr lang="en-US"/>
           </a:p>
@@ -12115,7 +12115,7 @@
           <a:p>
             <a:fld id="{5958763E-B898-436D-883D-03711491D54A}" type="datetimeFigureOut">
               <a:rPr lang="en-US" smtClean="0"/>
-              <a:t>2/25/2020</a:t>
+              <a:t>10/27/2020</a:t>
             </a:fld>
             <a:endParaRPr lang="en-US"/>
           </a:p>
@@ -12246,7 +12246,7 @@
           <a:p>
             <a:fld id="{5958763E-B898-436D-883D-03711491D54A}" type="datetimeFigureOut">
               <a:rPr lang="en-US" smtClean="0"/>
-              <a:t>2/25/2020</a:t>
+              <a:t>10/27/2020</a:t>
             </a:fld>
             <a:endParaRPr lang="en-US"/>
           </a:p>
@@ -12377,7 +12377,7 @@
           <a:p>
             <a:fld id="{5958763E-B898-436D-883D-03711491D54A}" type="datetimeFigureOut">
               <a:rPr lang="en-US" smtClean="0"/>
-              <a:t>2/25/2020</a:t>
+              <a:t>10/27/2020</a:t>
             </a:fld>
             <a:endParaRPr lang="en-US"/>
           </a:p>
@@ -12508,7 +12508,7 @@
           <a:p>
             <a:fld id="{5958763E-B898-436D-883D-03711491D54A}" type="datetimeFigureOut">
               <a:rPr lang="en-US" smtClean="0"/>
-              <a:t>2/25/2020</a:t>
+              <a:t>10/27/2020</a:t>
             </a:fld>
             <a:endParaRPr lang="en-US"/>
           </a:p>
@@ -12639,7 +12639,7 @@
           <a:p>
             <a:fld id="{5958763E-B898-436D-883D-03711491D54A}" type="datetimeFigureOut">
               <a:rPr lang="en-US" smtClean="0"/>
-              <a:t>2/25/2020</a:t>
+              <a:t>10/27/2020</a:t>
             </a:fld>
             <a:endParaRPr lang="en-US"/>
           </a:p>
@@ -12770,7 +12770,7 @@
           <a:p>
             <a:fld id="{5958763E-B898-436D-883D-03711491D54A}" type="datetimeFigureOut">
               <a:rPr lang="en-US" smtClean="0"/>
-              <a:t>2/25/2020</a:t>
+              <a:t>10/27/2020</a:t>
             </a:fld>
             <a:endParaRPr lang="en-US"/>
           </a:p>
@@ -12901,7 +12901,7 @@
           <a:p>
             <a:fld id="{5958763E-B898-436D-883D-03711491D54A}" type="datetimeFigureOut">
               <a:rPr lang="en-US" smtClean="0"/>
-              <a:t>2/25/2020</a:t>
+              <a:t>10/27/2020</a:t>
             </a:fld>
             <a:endParaRPr lang="en-US"/>
           </a:p>
@@ -13041,7 +13041,7 @@
           <a:p>
             <a:fld id="{5958763E-B898-436D-883D-03711491D54A}" type="datetimeFigureOut">
               <a:rPr lang="en-US" smtClean="0"/>
-              <a:t>2/25/2020</a:t>
+              <a:t>10/27/2020</a:t>
             </a:fld>
             <a:endParaRPr lang="en-US"/>
           </a:p>
@@ -16402,7 +16402,7 @@
             <a:fld id="{1C2D31DE-C454-491C-B5C3-F097855E3DF7}" type="datetime4">
               <a:rPr lang="en-US" smtClean="0"/>
               <a:pPr/>
-              <a:t>February 25, 2020</a:t>
+              <a:t>October 27, 2020</a:t>
             </a:fld>
             <a:endParaRPr lang="en-US" dirty="0"/>
           </a:p>
@@ -28647,7 +28647,7 @@
           <a:p>
             <a:fld id="{5958763E-B898-436D-883D-03711491D54A}" type="datetimeFigureOut">
               <a:rPr lang="en-US" smtClean="0"/>
-              <a:t>2/25/2020</a:t>
+              <a:t>10/27/2020</a:t>
             </a:fld>
             <a:endParaRPr lang="en-US"/>
           </a:p>
@@ -29056,7 +29056,7 @@
           <a:p>
             <a:fld id="{5958763E-B898-436D-883D-03711491D54A}" type="datetimeFigureOut">
               <a:rPr lang="en-US" smtClean="0"/>
-              <a:t>2/25/2020</a:t>
+              <a:t>10/27/2020</a:t>
             </a:fld>
             <a:endParaRPr lang="en-US"/>
           </a:p>
@@ -29357,7 +29357,7 @@
           <a:p>
             <a:fld id="{5958763E-B898-436D-883D-03711491D54A}" type="datetimeFigureOut">
               <a:rPr lang="en-US" smtClean="0"/>
-              <a:t>2/25/2020</a:t>
+              <a:t>10/27/2020</a:t>
             </a:fld>
             <a:endParaRPr lang="en-US"/>
           </a:p>
@@ -29565,7 +29565,7 @@
           <a:p>
             <a:fld id="{5958763E-B898-436D-883D-03711491D54A}" type="datetimeFigureOut">
               <a:rPr lang="en-US" smtClean="0"/>
-              <a:t>2/25/2020</a:t>
+              <a:t>10/27/2020</a:t>
             </a:fld>
             <a:endParaRPr lang="en-US"/>
           </a:p>
@@ -29833,7 +29833,7 @@
           <a:p>
             <a:fld id="{5958763E-B898-436D-883D-03711491D54A}" type="datetimeFigureOut">
               <a:rPr lang="en-US" smtClean="0"/>
-              <a:t>2/25/2020</a:t>
+              <a:t>10/27/2020</a:t>
             </a:fld>
             <a:endParaRPr lang="en-US"/>
           </a:p>
@@ -30350,7 +30350,7 @@
           <a:p>
             <a:fld id="{5958763E-B898-436D-883D-03711491D54A}" type="datetimeFigureOut">
               <a:rPr lang="en-US" smtClean="0"/>
-              <a:t>2/25/2020</a:t>
+              <a:t>10/27/2020</a:t>
             </a:fld>
             <a:endParaRPr lang="en-US"/>
           </a:p>
@@ -30838,7 +30838,7 @@
           <a:p>
             <a:fld id="{5958763E-B898-436D-883D-03711491D54A}" type="datetimeFigureOut">
               <a:rPr lang="en-US" smtClean="0"/>
-              <a:t>2/25/2020</a:t>
+              <a:t>10/27/2020</a:t>
             </a:fld>
             <a:endParaRPr lang="en-US"/>
           </a:p>
@@ -31664,7 +31664,7 @@
           <a:p>
             <a:fld id="{5958763E-B898-436D-883D-03711491D54A}" type="datetimeFigureOut">
               <a:rPr lang="en-US" smtClean="0"/>
-              <a:t>2/25/2020</a:t>
+              <a:t>10/27/2020</a:t>
             </a:fld>
             <a:endParaRPr lang="en-US"/>
           </a:p>
@@ -31872,7 +31872,7 @@
           <a:p>
             <a:fld id="{5958763E-B898-436D-883D-03711491D54A}" type="datetimeFigureOut">
               <a:rPr lang="en-US" smtClean="0"/>
-              <a:t>2/25/2020</a:t>
+              <a:t>10/27/2020</a:t>
             </a:fld>
             <a:endParaRPr lang="en-US"/>
           </a:p>
@@ -32214,7 +32214,7 @@
           <a:p>
             <a:fld id="{5958763E-B898-436D-883D-03711491D54A}" type="datetimeFigureOut">
               <a:rPr lang="en-US" smtClean="0"/>
-              <a:t>2/25/2020</a:t>
+              <a:t>10/27/2020</a:t>
             </a:fld>
             <a:endParaRPr lang="en-US"/>
           </a:p>
@@ -32451,7 +32451,7 @@
           <a:p>
             <a:fld id="{5958763E-B898-436D-883D-03711491D54A}" type="datetimeFigureOut">
               <a:rPr lang="en-US" smtClean="0"/>
-              <a:t>2/25/2020</a:t>
+              <a:t>10/27/2020</a:t>
             </a:fld>
             <a:endParaRPr lang="en-US"/>
           </a:p>
@@ -32702,7 +32702,7 @@
           <a:p>
             <a:fld id="{5958763E-B898-436D-883D-03711491D54A}" type="datetimeFigureOut">
               <a:rPr lang="en-US" smtClean="0"/>
-              <a:t>2/25/2020</a:t>
+              <a:t>10/27/2020</a:t>
             </a:fld>
             <a:endParaRPr lang="en-US"/>
           </a:p>
@@ -36309,11 +36309,7 @@
             </a:r>
             <a:r>
               <a:rPr lang="en-US" dirty="0" smtClean="0"/>
-              <a:t> </a:t>
-            </a:r>
-            <a:r>
-              <a:rPr lang="en-US" dirty="0" smtClean="0"/>
-              <a:t>Loops</a:t>
+              <a:t> Loops</a:t>
             </a:r>
             <a:endParaRPr lang="en-US" dirty="0"/>
           </a:p>
@@ -36352,26 +36348,13 @@
             </a:r>
             <a:r>
               <a:rPr lang="en-US" dirty="0" smtClean="0"/>
-              <a:t> </a:t>
+              <a:t> loops repeat blocks of code in a structured way</a:t>
             </a:r>
-            <a:r>
-              <a:rPr lang="en-US" dirty="0" smtClean="0"/>
-              <a:t>loops repeat blocks of code </a:t>
-            </a:r>
-            <a:r>
-              <a:rPr lang="en-US" dirty="0" smtClean="0"/>
-              <a:t>in a structured way</a:t>
-            </a:r>
-            <a:endParaRPr lang="en-US" dirty="0" smtClean="0"/>
           </a:p>
           <a:p>
             <a:r>
               <a:rPr lang="en-US" dirty="0" smtClean="0"/>
-              <a:t>They are </a:t>
-            </a:r>
-            <a:r>
-              <a:rPr lang="en-US" dirty="0" smtClean="0"/>
-              <a:t>often used to iterate through collections or repeat code a certain number of times</a:t>
+              <a:t>They are often used to iterate through collections or repeat code a certain number of times</a:t>
             </a:r>
           </a:p>
           <a:p>
@@ -38671,13 +38654,6 @@
               </a:rPr>
               <a:t>to change the number of repeats</a:t>
             </a:r>
-            <a:endParaRPr lang="en-US" sz="3600" dirty="0" smtClean="0">
-              <a:solidFill>
-                <a:schemeClr val="accent1"/>
-              </a:solidFill>
-              <a:ea typeface="Segoe UI" pitchFamily="34" charset="0"/>
-              <a:cs typeface="Segoe UI" pitchFamily="34" charset="0"/>
-            </a:endParaRPr>
           </a:p>
         </p:txBody>
       </p:sp>
